--- a/Project4-Capstone/davidletzler/NYTimes.pptx
+++ b/Project4-Capstone/davidletzler/NYTimes.pptx
@@ -5,10 +5,10 @@
     <p:sldMasterId id="2147483648" r:id="rId4"/>
   </p:sldMasterIdLst>
   <p:notesMasterIdLst>
-    <p:notesMasterId r:id="rId19"/>
+    <p:notesMasterId r:id="rId24"/>
   </p:notesMasterIdLst>
   <p:handoutMasterIdLst>
-    <p:handoutMasterId r:id="rId20"/>
+    <p:handoutMasterId r:id="rId25"/>
   </p:handoutMasterIdLst>
   <p:sldIdLst>
     <p:sldId id="256" r:id="rId5"/>
@@ -25,6 +25,11 @@
     <p:sldId id="262" r:id="rId16"/>
     <p:sldId id="263" r:id="rId17"/>
     <p:sldId id="265" r:id="rId18"/>
+    <p:sldId id="274" r:id="rId19"/>
+    <p:sldId id="275" r:id="rId20"/>
+    <p:sldId id="276" r:id="rId21"/>
+    <p:sldId id="277" r:id="rId22"/>
+    <p:sldId id="278" r:id="rId23"/>
   </p:sldIdLst>
   <p:sldSz cx="12192000" cy="6858000"/>
   <p:notesSz cx="6858000" cy="9144000"/>
@@ -5117,8 +5122,8 @@
         </p:nvSpPr>
         <p:spPr>
           <a:xfrm>
-            <a:off x="1104900" y="1776045"/>
-            <a:ext cx="4724400" cy="4325815"/>
+            <a:off x="515813" y="1916722"/>
+            <a:ext cx="4724400" cy="3789484"/>
           </a:xfrm>
         </p:spPr>
         <p:txBody>
@@ -5133,21 +5138,21 @@
             </a:r>
           </a:p>
           <a:p>
-            <a:endParaRPr lang="en-US" sz="2800" dirty="0"/>
-          </a:p>
-          <a:p>
             <a:r>
               <a:rPr lang="en-US" sz="2800" dirty="0"/>
-              <a:t>As expected, one topic clearly indicated “fiction.”</a:t>
-            </a:r>
-          </a:p>
-          <a:p>
-            <a:endParaRPr lang="en-US" sz="2800" dirty="0"/>
+              <a:t>As expected, one topic clearly indicated “fiction”</a:t>
+            </a:r>
           </a:p>
           <a:p>
             <a:r>
               <a:rPr lang="en-US" sz="2800" dirty="0"/>
               <a:t>I used a manual decision tree to isolate the fiction reviews</a:t>
+            </a:r>
+          </a:p>
+          <a:p>
+            <a:r>
+              <a:rPr lang="en-US" sz="2800" dirty="0"/>
+              <a:t>Estimate ~95% accuracy</a:t>
             </a:r>
           </a:p>
         </p:txBody>
@@ -5174,7 +5179,7 @@
         </p:blipFill>
         <p:spPr>
           <a:xfrm>
-            <a:off x="6230071" y="3200400"/>
+            <a:off x="6230071" y="2883876"/>
             <a:ext cx="5341350" cy="3446585"/>
           </a:xfrm>
           <a:prstGeom prst="rect">
@@ -5204,7 +5209,7 @@
         </p:blipFill>
         <p:spPr>
           <a:xfrm>
-            <a:off x="5609492" y="2084799"/>
+            <a:off x="5609492" y="1741900"/>
             <a:ext cx="6582508" cy="889762"/>
           </a:xfrm>
           <a:prstGeom prst="rect">
@@ -5489,7 +5494,7 @@
         <p:spPr>
           <a:xfrm>
             <a:off x="1104900" y="1635369"/>
-            <a:ext cx="9762392" cy="4832092"/>
+            <a:ext cx="9762392" cy="5262979"/>
           </a:xfrm>
           <a:prstGeom prst="rect">
             <a:avLst/>
@@ -5508,7 +5513,15 @@
             </a:pPr>
             <a:r>
               <a:rPr lang="en-US" sz="2800" dirty="0"/>
-              <a:t>By hand annotation, I found that over 75% of sentences in the book reviews do not directly comment on the quality of the book</a:t>
+              <a:t>The </a:t>
+            </a:r>
+            <a:r>
+              <a:rPr lang="en-US" sz="2800" i="1" dirty="0"/>
+              <a:t>Times </a:t>
+            </a:r>
+            <a:r>
+              <a:rPr lang="en-US" sz="2800" dirty="0"/>
+              <a:t>critical style is considerably subtler</a:t>
             </a:r>
           </a:p>
           <a:p>
@@ -5525,7 +5538,7 @@
             </a:pPr>
             <a:r>
               <a:rPr lang="en-US" sz="2800" dirty="0"/>
-              <a:t>This will cause problems for classifiers, which will cluster reviews based on subject matter rather than quality judgment</a:t>
+              <a:t>By hand annotation, I found over 75% of sentences in the book reviews do not directly judge the book</a:t>
             </a:r>
           </a:p>
           <a:p>
@@ -5542,7 +5555,24 @@
             </a:pPr>
             <a:r>
               <a:rPr lang="en-US" sz="2800" dirty="0"/>
-              <a:t>However, they frequently use charged language to describe books…</a:t>
+              <a:t>Classifiers will tend to cluster reviews based on subject matter rather than critical judgment</a:t>
+            </a:r>
+          </a:p>
+          <a:p>
+            <a:pPr marL="285750" indent="-285750">
+              <a:buFont typeface="Arial" panose="020B0604020202020204" pitchFamily="34" charset="0"/>
+              <a:buChar char="•"/>
+            </a:pPr>
+            <a:endParaRPr lang="en-US" sz="2800" dirty="0"/>
+          </a:p>
+          <a:p>
+            <a:pPr marL="285750" indent="-285750">
+              <a:buFont typeface="Arial" panose="020B0604020202020204" pitchFamily="34" charset="0"/>
+              <a:buChar char="•"/>
+            </a:pPr>
+            <a:r>
+              <a:rPr lang="en-US" sz="2800" dirty="0"/>
+              <a:t>Sentiment classifiers will frequently pick up on language not intended to directly judge the book…</a:t>
             </a:r>
           </a:p>
           <a:p>
@@ -5612,7 +5642,7 @@
         <p:spPr/>
         <p:txBody>
           <a:bodyPr>
-            <a:normAutofit fontScale="90000"/>
+            <a:normAutofit/>
           </a:bodyPr>
           <a:lstStyle/>
           <a:p>
@@ -5623,7 +5653,7 @@
             </a:r>
             <a:r>
               <a:rPr lang="en-US" sz="5400" i="1" dirty="0"/>
-              <a:t>Paradise</a:t>
+              <a:t>Home</a:t>
             </a:r>
             <a:endParaRPr lang="en-US" sz="5400" dirty="0"/>
           </a:p>
@@ -5638,7 +5668,7 @@
         <p:spPr>
           <a:xfrm>
             <a:off x="1104900" y="1732085"/>
-            <a:ext cx="10210800" cy="1938992"/>
+            <a:ext cx="10210800" cy="2677656"/>
           </a:xfrm>
           <a:prstGeom prst="rect">
             <a:avLst/>
@@ -5653,19 +5683,23 @@
           <a:p>
             <a:r>
               <a:rPr lang="en-US" sz="2400" i="1" dirty="0"/>
-              <a:t>Paradise </a:t>
+              <a:t>[…] </a:t>
             </a:r>
             <a:r>
               <a:rPr lang="en-US" sz="2400" dirty="0"/>
-              <a:t>[…] addresses the same great themes of her 1987 masterpiece, </a:t>
-            </a:r>
-            <a:r>
-              <a:rPr lang="en-US" sz="2400" i="1" dirty="0"/>
-              <a:t>Beloved</a:t>
+              <a:t>Threaded through the story are reminders of our country's vicious inhospitality toward some of its own. On his way south, Frank makes use of a Green Book,</a:t>
             </a:r>
             <a:r>
               <a:rPr lang="en-US" sz="2400" dirty="0"/>
-              <a:t>: the loss of innocence, the paralyzing power of ancient memories and the difficulty of accepting loss and change and pain. It, too, deals with the blighted legacy of slavery. It, too, examines the emotional and physical violence that human beings are capable of inflicting upon one another.—Michiko </a:t>
+              <a:t> </a:t>
+            </a:r>
+            <a:r>
+              <a:rPr lang="en-US" sz="2400" dirty="0"/>
+              <a:t>part of the essential series of travelers' guides for African-Americans during a more overtly racist era. On a train, he encounters fellow passengers who've been beaten and bloodied simply for trying to buy coffee from a white establishment. </a:t>
+            </a:r>
+            <a:r>
+              <a:rPr lang="en-US" sz="2400" dirty="0"/>
+              <a:t>He meets a boy who, out playing with a cap gun, was shot by a policeman and lost the use of one arm.—Michiko </a:t>
             </a:r>
             <a:r>
               <a:rPr lang="en-US" sz="2400" dirty="0" err="1"/>
@@ -5686,7 +5720,7 @@
         </p:nvSpPr>
         <p:spPr>
           <a:xfrm>
-            <a:off x="1005254" y="4230000"/>
+            <a:off x="1005254" y="4739952"/>
             <a:ext cx="10410092" cy="1384995"/>
           </a:xfrm>
           <a:prstGeom prst="rect">
@@ -5702,7 +5736,7 @@
           <a:p>
             <a:r>
               <a:rPr lang="en-US" sz="2800" dirty="0"/>
-              <a:t>Sentiment Judgment of David Letzler (Ph.D. in English): Very Positive</a:t>
+              <a:t>Sentiment Grade by David Letzler (Ph.D. in English): Positive</a:t>
             </a:r>
           </a:p>
           <a:p>
@@ -5711,7 +5745,7 @@
           <a:p>
             <a:r>
               <a:rPr lang="en-US" sz="2800" dirty="0"/>
-              <a:t>Sentiment Judgment of </a:t>
+              <a:t>Sentiment Grade by </a:t>
             </a:r>
             <a:r>
               <a:rPr lang="en-US" sz="2800" dirty="0" err="1"/>
@@ -5727,7 +5761,7 @@
             </a:r>
             <a:r>
               <a:rPr lang="en-US" sz="2800" dirty="0"/>
-              <a:t>): -17.5</a:t>
+              <a:t>): -15.5!</a:t>
             </a:r>
           </a:p>
         </p:txBody>
@@ -5799,10 +5833,985 @@
           </a:p>
         </p:txBody>
       </p:sp>
+      <p:sp>
+        <p:nvSpPr>
+          <p:cNvPr id="3" name="TextBox 2"/>
+          <p:cNvSpPr txBox="1"/>
+          <p:nvPr/>
+        </p:nvSpPr>
+        <p:spPr>
+          <a:xfrm>
+            <a:off x="1169377" y="1600200"/>
+            <a:ext cx="9916205" cy="2246769"/>
+          </a:xfrm>
+          <a:prstGeom prst="rect">
+            <a:avLst/>
+          </a:prstGeom>
+          <a:noFill/>
+        </p:spPr>
+        <p:txBody>
+          <a:bodyPr wrap="square" rtlCol="0">
+            <a:spAutoFit/>
+          </a:bodyPr>
+          <a:lstStyle/>
+          <a:p>
+            <a:pPr marL="285750" indent="-285750">
+              <a:buFont typeface="Arial" panose="020B0604020202020204" pitchFamily="34" charset="0"/>
+              <a:buChar char="•"/>
+            </a:pPr>
+            <a:r>
+              <a:rPr lang="en-US" sz="2800" dirty="0"/>
+              <a:t>If we are looking for judgment of the quality of the author or book, rather than discussion of the plot, we could filter only to sentences that mention author/book title.</a:t>
+            </a:r>
+          </a:p>
+          <a:p>
+            <a:pPr marL="285750" indent="-285750">
+              <a:buFont typeface="Arial" panose="020B0604020202020204" pitchFamily="34" charset="0"/>
+              <a:buChar char="•"/>
+            </a:pPr>
+            <a:endParaRPr lang="en-US" sz="2800" dirty="0"/>
+          </a:p>
+          <a:p>
+            <a:pPr marL="285750" indent="-285750">
+              <a:buFont typeface="Arial" panose="020B0604020202020204" pitchFamily="34" charset="0"/>
+              <a:buChar char="•"/>
+            </a:pPr>
+            <a:r>
+              <a:rPr lang="en-US" sz="2800" dirty="0"/>
+              <a:t>The </a:t>
+            </a:r>
+            <a:r>
+              <a:rPr lang="en-US" sz="2800" dirty="0" err="1"/>
+              <a:t>Kakutani</a:t>
+            </a:r>
+            <a:r>
+              <a:rPr lang="en-US" sz="2800" dirty="0"/>
+              <a:t> review is now reduced to sentences more like:</a:t>
+            </a:r>
+          </a:p>
+        </p:txBody>
+      </p:sp>
+      <p:sp>
+        <p:nvSpPr>
+          <p:cNvPr id="4" name="TextBox 3"/>
+          <p:cNvSpPr txBox="1"/>
+          <p:nvPr/>
+        </p:nvSpPr>
+        <p:spPr>
+          <a:xfrm>
+            <a:off x="870438" y="4319361"/>
+            <a:ext cx="10647485" cy="430887"/>
+          </a:xfrm>
+          <a:prstGeom prst="rect">
+            <a:avLst/>
+          </a:prstGeom>
+          <a:noFill/>
+        </p:spPr>
+        <p:txBody>
+          <a:bodyPr wrap="square" rtlCol="0">
+            <a:spAutoFit/>
+          </a:bodyPr>
+          <a:lstStyle/>
+          <a:p>
+            <a:r>
+              <a:rPr lang="en-US" sz="2200" dirty="0"/>
+              <a:t>This haunting, slender novel is a kind of tiny Rosetta Stone to Toni Morrison's entire oeuvre.</a:t>
+            </a:r>
+            <a:endParaRPr lang="en-US" sz="2200" dirty="0"/>
+          </a:p>
+        </p:txBody>
+      </p:sp>
+      <p:sp>
+        <p:nvSpPr>
+          <p:cNvPr id="5" name="TextBox 4"/>
+          <p:cNvSpPr txBox="1"/>
+          <p:nvPr/>
+        </p:nvSpPr>
+        <p:spPr>
+          <a:xfrm>
+            <a:off x="1354015" y="5161085"/>
+            <a:ext cx="9731567" cy="523220"/>
+          </a:xfrm>
+          <a:prstGeom prst="rect">
+            <a:avLst/>
+          </a:prstGeom>
+          <a:noFill/>
+        </p:spPr>
+        <p:txBody>
+          <a:bodyPr wrap="square" rtlCol="0">
+            <a:spAutoFit/>
+          </a:bodyPr>
+          <a:lstStyle/>
+          <a:p>
+            <a:r>
+              <a:rPr lang="en-US" sz="2800" dirty="0" err="1"/>
+              <a:t>Syuzhet</a:t>
+            </a:r>
+            <a:r>
+              <a:rPr lang="en-US" sz="2800" dirty="0"/>
+              <a:t> Score: -1.97 (and the review </a:t>
+            </a:r>
+            <a:r>
+              <a:rPr lang="en-US" sz="2800" i="1" dirty="0"/>
+              <a:t>is</a:t>
+            </a:r>
+            <a:r>
+              <a:rPr lang="en-US" sz="2800" dirty="0"/>
+              <a:t> more negative later)</a:t>
+            </a:r>
+          </a:p>
+        </p:txBody>
+      </p:sp>
     </p:spTree>
     <p:extLst>
       <p:ext uri="{BB962C8B-B14F-4D97-AF65-F5344CB8AC3E}">
         <p14:creationId xmlns:p14="http://schemas.microsoft.com/office/powerpoint/2010/main" val="3197023440"/>
+      </p:ext>
+    </p:extLst>
+  </p:cSld>
+  <p:clrMapOvr>
+    <a:masterClrMapping/>
+  </p:clrMapOvr>
+  <mc:AlternateContent xmlns:mc="http://schemas.openxmlformats.org/markup-compatibility/2006" xmlns:p14="http://schemas.microsoft.com/office/powerpoint/2010/main">
+    <mc:Choice Requires="p14">
+      <p:transition spd="med" p14:dur="700">
+        <p:fade/>
+      </p:transition>
+    </mc:Choice>
+    <mc:Fallback xmlns="">
+      <p:transition spd="med">
+        <p:fade/>
+      </p:transition>
+    </mc:Fallback>
+  </mc:AlternateContent>
+</p:sld>
+</file>
+
+<file path=ppt/slides/slide15.xml><?xml version="1.0" encoding="utf-8"?>
+<p:sld xmlns:a="http://schemas.openxmlformats.org/drawingml/2006/main" xmlns:r="http://schemas.openxmlformats.org/officeDocument/2006/relationships" xmlns:p="http://schemas.openxmlformats.org/presentationml/2006/main">
+  <p:cSld>
+    <p:spTree>
+      <p:nvGrpSpPr>
+        <p:cNvPr id="1" name=""/>
+        <p:cNvGrpSpPr/>
+        <p:nvPr/>
+      </p:nvGrpSpPr>
+      <p:grpSpPr>
+        <a:xfrm>
+          <a:off x="0" y="0"/>
+          <a:ext cx="0" cy="0"/>
+          <a:chOff x="0" y="0"/>
+          <a:chExt cx="0" cy="0"/>
+        </a:xfrm>
+      </p:grpSpPr>
+      <p:sp>
+        <p:nvSpPr>
+          <p:cNvPr id="2" name="Title 1"/>
+          <p:cNvSpPr>
+            <a:spLocks noGrp="1"/>
+          </p:cNvSpPr>
+          <p:nvPr>
+            <p:ph type="title"/>
+          </p:nvPr>
+        </p:nvSpPr>
+        <p:spPr/>
+        <p:txBody>
+          <a:bodyPr>
+            <a:normAutofit/>
+          </a:bodyPr>
+          <a:lstStyle/>
+          <a:p>
+            <a:pPr algn="ctr"/>
+            <a:r>
+              <a:rPr lang="en-US" sz="5400" dirty="0"/>
+              <a:t>Good, But Not Quite There</a:t>
+            </a:r>
+          </a:p>
+        </p:txBody>
+      </p:sp>
+      <p:sp>
+        <p:nvSpPr>
+          <p:cNvPr id="5" name="TextBox 4"/>
+          <p:cNvSpPr txBox="1"/>
+          <p:nvPr/>
+        </p:nvSpPr>
+        <p:spPr>
+          <a:xfrm>
+            <a:off x="1028701" y="1600200"/>
+            <a:ext cx="10207870" cy="1815882"/>
+          </a:xfrm>
+          <a:prstGeom prst="rect">
+            <a:avLst/>
+          </a:prstGeom>
+          <a:noFill/>
+        </p:spPr>
+        <p:txBody>
+          <a:bodyPr wrap="square" rtlCol="0">
+            <a:spAutoFit/>
+          </a:bodyPr>
+          <a:lstStyle/>
+          <a:p>
+            <a:pPr marL="285750" indent="-285750">
+              <a:buFont typeface="Arial" panose="020B0604020202020204" pitchFamily="34" charset="0"/>
+              <a:buChar char="•"/>
+            </a:pPr>
+            <a:r>
+              <a:rPr lang="en-US" sz="2800" dirty="0"/>
+              <a:t>Classification accuracy improved to about 66%</a:t>
+            </a:r>
+          </a:p>
+          <a:p>
+            <a:pPr marL="285750" indent="-285750">
+              <a:buFont typeface="Arial" panose="020B0604020202020204" pitchFamily="34" charset="0"/>
+              <a:buChar char="•"/>
+            </a:pPr>
+            <a:endParaRPr lang="en-US" sz="2800" dirty="0"/>
+          </a:p>
+          <a:p>
+            <a:pPr marL="285750" indent="-285750">
+              <a:buFont typeface="Arial" panose="020B0604020202020204" pitchFamily="34" charset="0"/>
+              <a:buChar char="•"/>
+            </a:pPr>
+            <a:r>
+              <a:rPr lang="en-US" sz="2800" dirty="0"/>
+              <a:t>The sentiment scores were still not very good at some comments.  For example, take this comment about Nora Roberts’ books— </a:t>
+            </a:r>
+          </a:p>
+        </p:txBody>
+      </p:sp>
+      <p:sp>
+        <p:nvSpPr>
+          <p:cNvPr id="6" name="TextBox 5"/>
+          <p:cNvSpPr txBox="1"/>
+          <p:nvPr/>
+        </p:nvSpPr>
+        <p:spPr>
+          <a:xfrm>
+            <a:off x="835269" y="3662383"/>
+            <a:ext cx="10867293" cy="2554545"/>
+          </a:xfrm>
+          <a:prstGeom prst="rect">
+            <a:avLst/>
+          </a:prstGeom>
+          <a:noFill/>
+        </p:spPr>
+        <p:txBody>
+          <a:bodyPr wrap="square" rtlCol="0">
+            <a:spAutoFit/>
+          </a:bodyPr>
+          <a:lstStyle/>
+          <a:p>
+            <a:r>
+              <a:rPr lang="en-US" sz="2000" dirty="0"/>
+              <a:t>So it would be an understatement to say that Nora Roberts deals in feminine wish fulfillment, especially when David turns out to be the kind of man who is excited by making the perfect jewelry purchase for his beloved, when he has teenage children who won't really mind a stepmom, and when he also turns out to be a stern corporate boss ready to upbraid Pilar's ex-husband on the job. Even when David is injured during one of the occasional moments of light mayhem in ''The Villa,'' he remains the romance reader's idea of a perfect 10.—Janet Maslin</a:t>
+            </a:r>
+          </a:p>
+          <a:p>
+            <a:endParaRPr lang="en-US" sz="2000" dirty="0"/>
+          </a:p>
+          <a:p>
+            <a:endParaRPr lang="en-US" sz="2000" dirty="0"/>
+          </a:p>
+        </p:txBody>
+      </p:sp>
+      <p:sp>
+        <p:nvSpPr>
+          <p:cNvPr id="7" name="TextBox 6"/>
+          <p:cNvSpPr txBox="1"/>
+          <p:nvPr/>
+        </p:nvSpPr>
+        <p:spPr>
+          <a:xfrm>
+            <a:off x="1405233" y="5964028"/>
+            <a:ext cx="9397599" cy="523220"/>
+          </a:xfrm>
+          <a:prstGeom prst="rect">
+            <a:avLst/>
+          </a:prstGeom>
+          <a:noFill/>
+        </p:spPr>
+        <p:txBody>
+          <a:bodyPr wrap="square" rtlCol="0">
+            <a:spAutoFit/>
+          </a:bodyPr>
+          <a:lstStyle/>
+          <a:p>
+            <a:r>
+              <a:rPr lang="en-US" sz="2800" dirty="0" err="1"/>
+              <a:t>Syuzhet</a:t>
+            </a:r>
+            <a:r>
+              <a:rPr lang="en-US" sz="2800" dirty="0"/>
+              <a:t> Score: +7.1	Letzler Score: Arch Shade-Throwing</a:t>
+            </a:r>
+          </a:p>
+        </p:txBody>
+      </p:sp>
+    </p:spTree>
+    <p:extLst>
+      <p:ext uri="{BB962C8B-B14F-4D97-AF65-F5344CB8AC3E}">
+        <p14:creationId xmlns:p14="http://schemas.microsoft.com/office/powerpoint/2010/main" val="2762869211"/>
+      </p:ext>
+    </p:extLst>
+  </p:cSld>
+  <p:clrMapOvr>
+    <a:masterClrMapping/>
+  </p:clrMapOvr>
+  <mc:AlternateContent xmlns:mc="http://schemas.openxmlformats.org/markup-compatibility/2006" xmlns:p14="http://schemas.microsoft.com/office/powerpoint/2010/main">
+    <mc:Choice Requires="p14">
+      <p:transition spd="med" p14:dur="700">
+        <p:fade/>
+      </p:transition>
+    </mc:Choice>
+    <mc:Fallback xmlns="">
+      <p:transition spd="med">
+        <p:fade/>
+      </p:transition>
+    </mc:Fallback>
+  </mc:AlternateContent>
+</p:sld>
+</file>
+
+<file path=ppt/slides/slide16.xml><?xml version="1.0" encoding="utf-8"?>
+<p:sld xmlns:a="http://schemas.openxmlformats.org/drawingml/2006/main" xmlns:r="http://schemas.openxmlformats.org/officeDocument/2006/relationships" xmlns:p="http://schemas.openxmlformats.org/presentationml/2006/main">
+  <p:cSld>
+    <p:spTree>
+      <p:nvGrpSpPr>
+        <p:cNvPr id="1" name=""/>
+        <p:cNvGrpSpPr/>
+        <p:nvPr/>
+      </p:nvGrpSpPr>
+      <p:grpSpPr>
+        <a:xfrm>
+          <a:off x="0" y="0"/>
+          <a:ext cx="0" cy="0"/>
+          <a:chOff x="0" y="0"/>
+          <a:chExt cx="0" cy="0"/>
+        </a:xfrm>
+      </p:grpSpPr>
+      <p:sp>
+        <p:nvSpPr>
+          <p:cNvPr id="2" name="Title 1"/>
+          <p:cNvSpPr>
+            <a:spLocks noGrp="1"/>
+          </p:cNvSpPr>
+          <p:nvPr>
+            <p:ph type="title"/>
+          </p:nvPr>
+        </p:nvSpPr>
+        <p:spPr/>
+        <p:txBody>
+          <a:bodyPr>
+            <a:normAutofit/>
+          </a:bodyPr>
+          <a:lstStyle/>
+          <a:p>
+            <a:pPr algn="ctr"/>
+            <a:r>
+              <a:rPr lang="en-US" sz="5400" dirty="0"/>
+              <a:t>Idea II: Word2Vec-CNN</a:t>
+            </a:r>
+          </a:p>
+        </p:txBody>
+      </p:sp>
+      <p:sp>
+        <p:nvSpPr>
+          <p:cNvPr id="3" name="Text Placeholder 2"/>
+          <p:cNvSpPr>
+            <a:spLocks noGrp="1"/>
+          </p:cNvSpPr>
+          <p:nvPr>
+            <p:ph type="body" sz="half" idx="2"/>
+          </p:nvPr>
+        </p:nvSpPr>
+        <p:spPr>
+          <a:xfrm>
+            <a:off x="1104899" y="1600200"/>
+            <a:ext cx="9788769" cy="4572000"/>
+          </a:xfrm>
+        </p:spPr>
+        <p:txBody>
+          <a:bodyPr>
+            <a:normAutofit/>
+          </a:bodyPr>
+          <a:lstStyle/>
+          <a:p>
+            <a:pPr marL="285750" indent="-285750">
+              <a:buFont typeface="Arial" panose="020B0604020202020204" pitchFamily="34" charset="0"/>
+              <a:buChar char="•"/>
+            </a:pPr>
+            <a:r>
+              <a:rPr lang="en-US" sz="2800" dirty="0"/>
+              <a:t>I trained a convolution neural network based on a Word2Vec to recognize the patterns of critical language</a:t>
+            </a:r>
+          </a:p>
+          <a:p>
+            <a:pPr marL="285750" indent="-285750">
+              <a:buFont typeface="Arial" panose="020B0604020202020204" pitchFamily="34" charset="0"/>
+              <a:buChar char="•"/>
+            </a:pPr>
+            <a:r>
+              <a:rPr lang="en-US" sz="2800" dirty="0"/>
+              <a:t>I hand-coded two thousand sentences from 50 reviews as “positive,” “negative,” or “neutral”</a:t>
+            </a:r>
+          </a:p>
+          <a:p>
+            <a:pPr marL="285750" indent="-285750">
+              <a:buFont typeface="Arial" panose="020B0604020202020204" pitchFamily="34" charset="0"/>
+              <a:buChar char="•"/>
+            </a:pPr>
+            <a:r>
+              <a:rPr lang="en-US" sz="2800" dirty="0"/>
+              <a:t>Used Word2Vec instead of Doc2Vec to isolate critical sentences and prevent algorithm from grouping based on book content</a:t>
+            </a:r>
+          </a:p>
+          <a:p>
+            <a:pPr marL="285750" indent="-285750">
+              <a:buFont typeface="Arial" panose="020B0604020202020204" pitchFamily="34" charset="0"/>
+              <a:buChar char="•"/>
+            </a:pPr>
+            <a:r>
+              <a:rPr lang="en-US" sz="2800" dirty="0"/>
+              <a:t>Inspected models/parameters by looking at a set of critical words (e.g., “authentic,” “lazy,” “chilling,” etc.) to make sure it was grouping them correctly </a:t>
+            </a:r>
+          </a:p>
+          <a:p>
+            <a:pPr marL="285750" indent="-285750">
+              <a:buFont typeface="Arial" panose="020B0604020202020204" pitchFamily="34" charset="0"/>
+              <a:buChar char="•"/>
+            </a:pPr>
+            <a:r>
+              <a:rPr lang="en-US" sz="2800" dirty="0"/>
+              <a:t>Trained/tested Word2Vec in CNN on labeled set—81% accuracy</a:t>
+            </a:r>
+          </a:p>
+        </p:txBody>
+      </p:sp>
+    </p:spTree>
+    <p:extLst>
+      <p:ext uri="{BB962C8B-B14F-4D97-AF65-F5344CB8AC3E}">
+        <p14:creationId xmlns:p14="http://schemas.microsoft.com/office/powerpoint/2010/main" val="875220720"/>
+      </p:ext>
+    </p:extLst>
+  </p:cSld>
+  <p:clrMapOvr>
+    <a:masterClrMapping/>
+  </p:clrMapOvr>
+  <mc:AlternateContent xmlns:mc="http://schemas.openxmlformats.org/markup-compatibility/2006" xmlns:p14="http://schemas.microsoft.com/office/powerpoint/2010/main">
+    <mc:Choice Requires="p14">
+      <p:transition spd="med" p14:dur="700">
+        <p:fade/>
+      </p:transition>
+    </mc:Choice>
+    <mc:Fallback xmlns="">
+      <p:transition spd="med">
+        <p:fade/>
+      </p:transition>
+    </mc:Fallback>
+  </mc:AlternateContent>
+</p:sld>
+</file>
+
+<file path=ppt/slides/slide17.xml><?xml version="1.0" encoding="utf-8"?>
+<p:sld xmlns:a="http://schemas.openxmlformats.org/drawingml/2006/main" xmlns:r="http://schemas.openxmlformats.org/officeDocument/2006/relationships" xmlns:p="http://schemas.openxmlformats.org/presentationml/2006/main">
+  <p:cSld>
+    <p:spTree>
+      <p:nvGrpSpPr>
+        <p:cNvPr id="1" name=""/>
+        <p:cNvGrpSpPr/>
+        <p:nvPr/>
+      </p:nvGrpSpPr>
+      <p:grpSpPr>
+        <a:xfrm>
+          <a:off x="0" y="0"/>
+          <a:ext cx="0" cy="0"/>
+          <a:chOff x="0" y="0"/>
+          <a:chExt cx="0" cy="0"/>
+        </a:xfrm>
+      </p:grpSpPr>
+      <p:sp>
+        <p:nvSpPr>
+          <p:cNvPr id="2" name="Title 1"/>
+          <p:cNvSpPr>
+            <a:spLocks noGrp="1"/>
+          </p:cNvSpPr>
+          <p:nvPr>
+            <p:ph type="title"/>
+          </p:nvPr>
+        </p:nvSpPr>
+        <p:spPr/>
+        <p:txBody>
+          <a:bodyPr>
+            <a:normAutofit/>
+          </a:bodyPr>
+          <a:lstStyle/>
+          <a:p>
+            <a:pPr algn="ctr"/>
+            <a:r>
+              <a:rPr lang="en-US" sz="5400" dirty="0"/>
+              <a:t>It Did Not Work At All</a:t>
+            </a:r>
+          </a:p>
+        </p:txBody>
+      </p:sp>
+      <p:sp>
+        <p:nvSpPr>
+          <p:cNvPr id="3" name="Text Placeholder 2"/>
+          <p:cNvSpPr>
+            <a:spLocks noGrp="1"/>
+          </p:cNvSpPr>
+          <p:nvPr>
+            <p:ph type="body" sz="half" idx="2"/>
+          </p:nvPr>
+        </p:nvSpPr>
+        <p:spPr>
+          <a:xfrm>
+            <a:off x="1104900" y="1732084"/>
+            <a:ext cx="5260731" cy="4572000"/>
+          </a:xfrm>
+        </p:spPr>
+        <p:txBody>
+          <a:bodyPr>
+            <a:normAutofit fontScale="92500"/>
+          </a:bodyPr>
+          <a:lstStyle/>
+          <a:p>
+            <a:pPr marL="285750" indent="-285750">
+              <a:buFont typeface="Arial" panose="020B0604020202020204" pitchFamily="34" charset="0"/>
+              <a:buChar char="•"/>
+            </a:pPr>
+            <a:r>
+              <a:rPr lang="en-US" sz="2800" dirty="0"/>
+              <a:t>The predictions on unlabeled sentences did not yield strong results</a:t>
+            </a:r>
+          </a:p>
+          <a:p>
+            <a:pPr marL="285750" indent="-285750">
+              <a:buFont typeface="Arial" panose="020B0604020202020204" pitchFamily="34" charset="0"/>
+              <a:buChar char="•"/>
+            </a:pPr>
+            <a:endParaRPr lang="en-US" sz="2800" dirty="0"/>
+          </a:p>
+          <a:p>
+            <a:pPr marL="285750" indent="-285750">
+              <a:buFont typeface="Arial" panose="020B0604020202020204" pitchFamily="34" charset="0"/>
+              <a:buChar char="•"/>
+            </a:pPr>
+            <a:r>
+              <a:rPr lang="en-US" sz="2800" dirty="0"/>
+              <a:t>Using every sentence yielded predictions that appeared nearly random</a:t>
+            </a:r>
+          </a:p>
+          <a:p>
+            <a:pPr marL="285750" indent="-285750">
+              <a:buFont typeface="Arial" panose="020B0604020202020204" pitchFamily="34" charset="0"/>
+              <a:buChar char="•"/>
+            </a:pPr>
+            <a:endParaRPr lang="en-US" sz="2800" dirty="0"/>
+          </a:p>
+          <a:p>
+            <a:pPr marL="285750" indent="-285750">
+              <a:buFont typeface="Arial" panose="020B0604020202020204" pitchFamily="34" charset="0"/>
+              <a:buChar char="•"/>
+            </a:pPr>
+            <a:r>
+              <a:rPr lang="en-US" sz="2800" dirty="0"/>
+              <a:t>Predictions that used only sentences that mentioned the author/book performed better, but not over 60%</a:t>
+            </a:r>
+          </a:p>
+        </p:txBody>
+      </p:sp>
+      <p:pic>
+        <p:nvPicPr>
+          <p:cNvPr id="6146" name="Picture 2" descr="http://www.lotsoflaughing.com/wp-content/uploads/2016/05/20130130210127-9078b392.jpg"/>
+          <p:cNvPicPr>
+            <a:picLocks noChangeAspect="1" noChangeArrowheads="1"/>
+          </p:cNvPicPr>
+          <p:nvPr/>
+        </p:nvPicPr>
+        <p:blipFill>
+          <a:blip r:embed="rId2">
+            <a:extLst>
+              <a:ext uri="{28A0092B-C50C-407E-A947-70E740481C1C}">
+                <a14:useLocalDpi xmlns:a14="http://schemas.microsoft.com/office/drawing/2010/main" val="0"/>
+              </a:ext>
+            </a:extLst>
+          </a:blip>
+          <a:srcRect/>
+          <a:stretch>
+            <a:fillRect/>
+          </a:stretch>
+        </p:blipFill>
+        <p:spPr bwMode="auto">
+          <a:xfrm>
+            <a:off x="7209692" y="1830266"/>
+            <a:ext cx="4391025" cy="3848100"/>
+          </a:xfrm>
+          <a:prstGeom prst="rect">
+            <a:avLst/>
+          </a:prstGeom>
+          <a:noFill/>
+          <a:extLst>
+            <a:ext uri="{909E8E84-426E-40DD-AFC4-6F175D3DCCD1}">
+              <a14:hiddenFill xmlns:a14="http://schemas.microsoft.com/office/drawing/2010/main">
+                <a:solidFill>
+                  <a:srgbClr val="FFFFFF"/>
+                </a:solidFill>
+              </a14:hiddenFill>
+            </a:ext>
+          </a:extLst>
+        </p:spPr>
+      </p:pic>
+    </p:spTree>
+    <p:extLst>
+      <p:ext uri="{BB962C8B-B14F-4D97-AF65-F5344CB8AC3E}">
+        <p14:creationId xmlns:p14="http://schemas.microsoft.com/office/powerpoint/2010/main" val="1057295429"/>
+      </p:ext>
+    </p:extLst>
+  </p:cSld>
+  <p:clrMapOvr>
+    <a:masterClrMapping/>
+  </p:clrMapOvr>
+  <mc:AlternateContent xmlns:mc="http://schemas.openxmlformats.org/markup-compatibility/2006" xmlns:p14="http://schemas.microsoft.com/office/powerpoint/2010/main">
+    <mc:Choice Requires="p14">
+      <p:transition spd="med" p14:dur="700">
+        <p:fade/>
+      </p:transition>
+    </mc:Choice>
+    <mc:Fallback xmlns="">
+      <p:transition spd="med">
+        <p:fade/>
+      </p:transition>
+    </mc:Fallback>
+  </mc:AlternateContent>
+</p:sld>
+</file>
+
+<file path=ppt/slides/slide18.xml><?xml version="1.0" encoding="utf-8"?>
+<p:sld xmlns:a="http://schemas.openxmlformats.org/drawingml/2006/main" xmlns:r="http://schemas.openxmlformats.org/officeDocument/2006/relationships" xmlns:p="http://schemas.openxmlformats.org/presentationml/2006/main">
+  <p:cSld>
+    <p:spTree>
+      <p:nvGrpSpPr>
+        <p:cNvPr id="1" name=""/>
+        <p:cNvGrpSpPr/>
+        <p:nvPr/>
+      </p:nvGrpSpPr>
+      <p:grpSpPr>
+        <a:xfrm>
+          <a:off x="0" y="0"/>
+          <a:ext cx="0" cy="0"/>
+          <a:chOff x="0" y="0"/>
+          <a:chExt cx="0" cy="0"/>
+        </a:xfrm>
+      </p:grpSpPr>
+      <p:sp>
+        <p:nvSpPr>
+          <p:cNvPr id="2" name="Title 1"/>
+          <p:cNvSpPr>
+            <a:spLocks noGrp="1"/>
+          </p:cNvSpPr>
+          <p:nvPr>
+            <p:ph type="title"/>
+          </p:nvPr>
+        </p:nvSpPr>
+        <p:spPr/>
+        <p:txBody>
+          <a:bodyPr>
+            <a:normAutofit/>
+          </a:bodyPr>
+          <a:lstStyle/>
+          <a:p>
+            <a:pPr algn="ctr"/>
+            <a:r>
+              <a:rPr lang="en-US" sz="5400" dirty="0"/>
+              <a:t>Consolation Prize</a:t>
+            </a:r>
+          </a:p>
+        </p:txBody>
+      </p:sp>
+      <p:sp>
+        <p:nvSpPr>
+          <p:cNvPr id="3" name="Text Placeholder 2"/>
+          <p:cNvSpPr>
+            <a:spLocks noGrp="1"/>
+          </p:cNvSpPr>
+          <p:nvPr>
+            <p:ph type="body" sz="half" idx="2"/>
+          </p:nvPr>
+        </p:nvSpPr>
+        <p:spPr>
+          <a:xfrm>
+            <a:off x="1104900" y="1600200"/>
+            <a:ext cx="4838700" cy="4572000"/>
+          </a:xfrm>
+        </p:spPr>
+        <p:txBody>
+          <a:bodyPr>
+            <a:normAutofit lnSpcReduction="10000"/>
+          </a:bodyPr>
+          <a:lstStyle/>
+          <a:p>
+            <a:pPr marL="457200" indent="-457200">
+              <a:buFont typeface="Arial" panose="020B0604020202020204" pitchFamily="34" charset="0"/>
+              <a:buChar char="•"/>
+            </a:pPr>
+            <a:r>
+              <a:rPr lang="en-US" sz="2800" dirty="0"/>
+              <a:t>As it was my best available model, I used sentiment on author/book sentences only to evaluate reviews</a:t>
+            </a:r>
+          </a:p>
+          <a:p>
+            <a:pPr marL="457200" indent="-457200">
+              <a:buFont typeface="Arial" panose="020B0604020202020204" pitchFamily="34" charset="0"/>
+              <a:buChar char="•"/>
+            </a:pPr>
+            <a:endParaRPr lang="en-US" sz="2800" dirty="0"/>
+          </a:p>
+          <a:p>
+            <a:pPr marL="457200" indent="-457200">
+              <a:buFont typeface="Arial" panose="020B0604020202020204" pitchFamily="34" charset="0"/>
+              <a:buChar char="•"/>
+            </a:pPr>
+            <a:r>
+              <a:rPr lang="en-US" sz="2800" dirty="0"/>
+              <a:t>I decided to look solely at the Trade Paperback list, since it had the highest percentage of reviewed books and the best response to the sentiment scoring</a:t>
+            </a:r>
+          </a:p>
+          <a:p>
+            <a:pPr marL="457200" indent="-457200">
+              <a:buFont typeface="Arial" panose="020B0604020202020204" pitchFamily="34" charset="0"/>
+              <a:buChar char="•"/>
+            </a:pPr>
+            <a:endParaRPr lang="en-US" sz="2800" dirty="0"/>
+          </a:p>
+        </p:txBody>
+      </p:sp>
+      <p:pic>
+        <p:nvPicPr>
+          <p:cNvPr id="7172" name="Picture 4" descr="http://www.ruwhim.com/wp-content/uploads/2013/04/triedribbon.jpg"/>
+          <p:cNvPicPr>
+            <a:picLocks noChangeAspect="1" noChangeArrowheads="1"/>
+          </p:cNvPicPr>
+          <p:nvPr/>
+        </p:nvPicPr>
+        <p:blipFill>
+          <a:blip r:embed="rId2">
+            <a:extLst>
+              <a:ext uri="{28A0092B-C50C-407E-A947-70E740481C1C}">
+                <a14:useLocalDpi xmlns:a14="http://schemas.microsoft.com/office/drawing/2010/main" val="0"/>
+              </a:ext>
+            </a:extLst>
+          </a:blip>
+          <a:srcRect/>
+          <a:stretch>
+            <a:fillRect/>
+          </a:stretch>
+        </p:blipFill>
+        <p:spPr bwMode="auto">
+          <a:xfrm>
+            <a:off x="6901909" y="1600200"/>
+            <a:ext cx="4183673" cy="4183673"/>
+          </a:xfrm>
+          <a:prstGeom prst="rect">
+            <a:avLst/>
+          </a:prstGeom>
+          <a:noFill/>
+          <a:extLst>
+            <a:ext uri="{909E8E84-426E-40DD-AFC4-6F175D3DCCD1}">
+              <a14:hiddenFill xmlns:a14="http://schemas.microsoft.com/office/drawing/2010/main">
+                <a:solidFill>
+                  <a:srgbClr val="FFFFFF"/>
+                </a:solidFill>
+              </a14:hiddenFill>
+            </a:ext>
+          </a:extLst>
+        </p:spPr>
+      </p:pic>
+    </p:spTree>
+    <p:extLst>
+      <p:ext uri="{BB962C8B-B14F-4D97-AF65-F5344CB8AC3E}">
+        <p14:creationId xmlns:p14="http://schemas.microsoft.com/office/powerpoint/2010/main" val="1065047543"/>
+      </p:ext>
+    </p:extLst>
+  </p:cSld>
+  <p:clrMapOvr>
+    <a:masterClrMapping/>
+  </p:clrMapOvr>
+  <mc:AlternateContent xmlns:mc="http://schemas.openxmlformats.org/markup-compatibility/2006" xmlns:p14="http://schemas.microsoft.com/office/powerpoint/2010/main">
+    <mc:Choice Requires="p14">
+      <p:transition spd="med" p14:dur="700">
+        <p:fade/>
+      </p:transition>
+    </mc:Choice>
+    <mc:Fallback xmlns="">
+      <p:transition spd="med">
+        <p:fade/>
+      </p:transition>
+    </mc:Fallback>
+  </mc:AlternateContent>
+</p:sld>
+</file>
+
+<file path=ppt/slides/slide19.xml><?xml version="1.0" encoding="utf-8"?>
+<p:sld xmlns:a="http://schemas.openxmlformats.org/drawingml/2006/main" xmlns:r="http://schemas.openxmlformats.org/officeDocument/2006/relationships" xmlns:p="http://schemas.openxmlformats.org/presentationml/2006/main">
+  <p:cSld>
+    <p:spTree>
+      <p:nvGrpSpPr>
+        <p:cNvPr id="1" name=""/>
+        <p:cNvGrpSpPr/>
+        <p:nvPr/>
+      </p:nvGrpSpPr>
+      <p:grpSpPr>
+        <a:xfrm>
+          <a:off x="0" y="0"/>
+          <a:ext cx="0" cy="0"/>
+          <a:chOff x="0" y="0"/>
+          <a:chExt cx="0" cy="0"/>
+        </a:xfrm>
+      </p:grpSpPr>
+      <p:sp>
+        <p:nvSpPr>
+          <p:cNvPr id="2" name="Title 1"/>
+          <p:cNvSpPr>
+            <a:spLocks noGrp="1"/>
+          </p:cNvSpPr>
+          <p:nvPr>
+            <p:ph type="title"/>
+          </p:nvPr>
+        </p:nvSpPr>
+        <p:spPr/>
+        <p:txBody>
+          <a:bodyPr>
+            <a:normAutofit/>
+          </a:bodyPr>
+          <a:lstStyle/>
+          <a:p>
+            <a:pPr algn="ctr"/>
+            <a:r>
+              <a:rPr lang="en-US" sz="5400" dirty="0"/>
+              <a:t>Results?</a:t>
+            </a:r>
+          </a:p>
+        </p:txBody>
+      </p:sp>
+      <p:sp>
+        <p:nvSpPr>
+          <p:cNvPr id="3" name="Text Placeholder 2"/>
+          <p:cNvSpPr>
+            <a:spLocks noGrp="1"/>
+          </p:cNvSpPr>
+          <p:nvPr>
+            <p:ph type="body" sz="half" idx="2"/>
+          </p:nvPr>
+        </p:nvSpPr>
+        <p:spPr>
+          <a:xfrm>
+            <a:off x="1104900" y="1600200"/>
+            <a:ext cx="9744808" cy="4572000"/>
+          </a:xfrm>
+        </p:spPr>
+        <p:txBody>
+          <a:bodyPr/>
+          <a:lstStyle/>
+          <a:p>
+            <a:pPr marL="285750" indent="-285750">
+              <a:buFont typeface="Arial" panose="020B0604020202020204" pitchFamily="34" charset="0"/>
+              <a:buChar char="•"/>
+            </a:pPr>
+            <a:r>
+              <a:rPr lang="en-US" sz="2400" dirty="0"/>
+              <a:t>The average bestseller </a:t>
+            </a:r>
+            <a:r>
+              <a:rPr lang="en-US" sz="2400" i="1" dirty="0"/>
+              <a:t>did</a:t>
+            </a:r>
+            <a:r>
+              <a:rPr lang="en-US" sz="2400" dirty="0"/>
+              <a:t> have a higher mean review score than the average reviewed book, at 0.97 to 0.87—but a t-test did not find this difference significant</a:t>
+            </a:r>
+          </a:p>
+          <a:p>
+            <a:pPr marL="285750" indent="-285750">
+              <a:buFont typeface="Arial" panose="020B0604020202020204" pitchFamily="34" charset="0"/>
+              <a:buChar char="•"/>
+            </a:pPr>
+            <a:endParaRPr lang="en-US" sz="2400" dirty="0"/>
+          </a:p>
+          <a:p>
+            <a:pPr marL="285750" indent="-285750">
+              <a:buFont typeface="Arial" panose="020B0604020202020204" pitchFamily="34" charset="0"/>
+              <a:buChar char="•"/>
+            </a:pPr>
+            <a:r>
+              <a:rPr lang="en-US" sz="2400" dirty="0"/>
+              <a:t>A similar result holds for Sunday bestseller reviews versus regular bestseller reviews—the mean Sunday score is more generous (1.14 to 0.7), but not at the level of significance</a:t>
+            </a:r>
+          </a:p>
+          <a:p>
+            <a:pPr marL="285750" indent="-285750">
+              <a:buFont typeface="Arial" panose="020B0604020202020204" pitchFamily="34" charset="0"/>
+              <a:buChar char="•"/>
+            </a:pPr>
+            <a:endParaRPr lang="en-US" sz="2400" dirty="0"/>
+          </a:p>
+          <a:p>
+            <a:pPr marL="285750" indent="-285750">
+              <a:buFont typeface="Arial" panose="020B0604020202020204" pitchFamily="34" charset="0"/>
+              <a:buChar char="•"/>
+            </a:pPr>
+            <a:r>
+              <a:rPr lang="en-US" sz="2400" dirty="0"/>
+              <a:t>There </a:t>
+            </a:r>
+            <a:r>
+              <a:rPr lang="en-US" sz="2400" i="1" dirty="0"/>
+              <a:t>is </a:t>
+            </a:r>
+            <a:r>
+              <a:rPr lang="en-US" sz="2400" dirty="0"/>
+              <a:t>a significant difference in review length, as bestseller reviews are five sentences longer </a:t>
+            </a:r>
+            <a:r>
+              <a:rPr lang="en-US" sz="2400"/>
+              <a:t>on average</a:t>
+            </a:r>
+            <a:endParaRPr lang="en-US" sz="2400" dirty="0"/>
+          </a:p>
+          <a:p>
+            <a:pPr marL="285750" indent="-285750">
+              <a:buFont typeface="Arial" panose="020B0604020202020204" pitchFamily="34" charset="0"/>
+              <a:buChar char="•"/>
+            </a:pPr>
+            <a:endParaRPr lang="en-US" sz="2400" dirty="0"/>
+          </a:p>
+          <a:p>
+            <a:pPr marL="285750" indent="-285750">
+              <a:buFont typeface="Arial" panose="020B0604020202020204" pitchFamily="34" charset="0"/>
+              <a:buChar char="•"/>
+            </a:pPr>
+            <a:endParaRPr lang="en-US" sz="2400" dirty="0"/>
+          </a:p>
+          <a:p>
+            <a:pPr marL="285750" indent="-285750">
+              <a:buFont typeface="Arial" panose="020B0604020202020204" pitchFamily="34" charset="0"/>
+              <a:buChar char="•"/>
+            </a:pPr>
+            <a:endParaRPr lang="en-US" sz="2400" dirty="0"/>
+          </a:p>
+          <a:p>
+            <a:pPr marL="285750" indent="-285750">
+              <a:buFont typeface="Arial" panose="020B0604020202020204" pitchFamily="34" charset="0"/>
+              <a:buChar char="•"/>
+            </a:pPr>
+            <a:endParaRPr lang="en-US" dirty="0"/>
+          </a:p>
+        </p:txBody>
+      </p:sp>
+    </p:spTree>
+    <p:extLst>
+      <p:ext uri="{BB962C8B-B14F-4D97-AF65-F5344CB8AC3E}">
+        <p14:creationId xmlns:p14="http://schemas.microsoft.com/office/powerpoint/2010/main" val="2953524908"/>
       </p:ext>
     </p:extLst>
   </p:cSld>
@@ -5876,14 +6885,21 @@
             <p:ph idx="1"/>
           </p:nvPr>
         </p:nvSpPr>
-        <p:spPr/>
-        <p:txBody>
-          <a:bodyPr/>
+        <p:spPr>
+          <a:xfrm>
+            <a:off x="1104900" y="1600200"/>
+            <a:ext cx="5489331" cy="4572000"/>
+          </a:xfrm>
+        </p:spPr>
+        <p:txBody>
+          <a:bodyPr>
+            <a:normAutofit fontScale="92500"/>
+          </a:bodyPr>
           <a:lstStyle/>
           <a:p>
             <a:r>
               <a:rPr lang="en-US" sz="2800" dirty="0"/>
-              <a:t>Unlike film box office receipts, TV viewership, and music sales/streaming, there is no high-quality measure of book sales </a:t>
+              <a:t>Unlike with film, TV, and music, there is no high-quality measure of book sales </a:t>
             </a:r>
           </a:p>
           <a:p>
@@ -5900,7 +6916,7 @@
             </a:r>
             <a:r>
               <a:rPr lang="en-US" sz="2800" dirty="0"/>
-              <a:t> tracks purchase-point sales, but these are only a minority of total print sales</a:t>
+              <a:t> tracks purchase-point sales, but these are a minority of total sales</a:t>
             </a:r>
           </a:p>
           <a:p>
@@ -5909,11 +6925,52 @@
           <a:p>
             <a:r>
               <a:rPr lang="en-US" sz="2800" dirty="0"/>
-              <a:t>Amazon’s rankings do not provide unites sold, are hard to track over time, and represent less than a third of total book sales</a:t>
-            </a:r>
-          </a:p>
-        </p:txBody>
-      </p:sp>
+              <a:t>Amazon’s rankings are hard to aggregate and represent less than a third of total sales</a:t>
+            </a:r>
+          </a:p>
+        </p:txBody>
+      </p:sp>
+      <p:pic>
+        <p:nvPicPr>
+          <p:cNvPr id="5124" name="Picture 4" descr="https://lmpreston.files.wordpress.com/2011/09/textbook_buyback1.jpg"/>
+          <p:cNvPicPr>
+            <a:picLocks noChangeAspect="1" noChangeArrowheads="1"/>
+          </p:cNvPicPr>
+          <p:nvPr/>
+        </p:nvPicPr>
+        <p:blipFill>
+          <a:blip r:embed="rId2">
+            <a:extLst>
+              <a:ext uri="{28A0092B-C50C-407E-A947-70E740481C1C}">
+                <a14:useLocalDpi xmlns:a14="http://schemas.microsoft.com/office/drawing/2010/main" val="0"/>
+              </a:ext>
+            </a:extLst>
+          </a:blip>
+          <a:srcRect/>
+          <a:stretch>
+            <a:fillRect/>
+          </a:stretch>
+        </p:blipFill>
+        <p:spPr bwMode="auto">
+          <a:xfrm>
+            <a:off x="6862396" y="2554165"/>
+            <a:ext cx="4762500" cy="2857500"/>
+          </a:xfrm>
+          <a:prstGeom prst="rect">
+            <a:avLst/>
+          </a:prstGeom>
+          <a:noFill/>
+          <a:extLst>
+            <a:ext uri="{909E8E84-426E-40DD-AFC4-6F175D3DCCD1}">
+              <a14:hiddenFill xmlns:a14="http://schemas.microsoft.com/office/drawing/2010/main">
+                <a:solidFill>
+                  <a:srgbClr val="FFFFFF"/>
+                </a:solidFill>
+              </a14:hiddenFill>
+            </a:ext>
+          </a:extLst>
+        </p:spPr>
+      </p:pic>
     </p:spTree>
     <p:extLst>
       <p:ext uri="{BB962C8B-B14F-4D97-AF65-F5344CB8AC3E}">
@@ -5986,7 +7043,6 @@
               <a:rPr lang="en-US" sz="5400" dirty="0"/>
               <a:t> Bestseller Metric</a:t>
             </a:r>
-            <a:endParaRPr lang="en-US" sz="5400" dirty="0"/>
           </a:p>
         </p:txBody>
       </p:sp>
@@ -6017,16 +7073,11 @@
             </a:r>
             <a:r>
               <a:rPr lang="en-US" sz="2800" dirty="0"/>
-              <a:t>bestseller lists also do not provide unit sales, and their methodology is opaque and not necessarily reflective of total sales</a:t>
-            </a:r>
-          </a:p>
-          <a:p>
-            <a:endParaRPr lang="en-US" sz="2800" dirty="0"/>
-          </a:p>
-          <a:p>
+              <a:t>bestseller lists </a:t>
+            </a:r>
             <a:r>
               <a:rPr lang="en-US" sz="2800" dirty="0"/>
-              <a:t>They do provide accessible, consistent data through an API to allow comparisons over time, especially in a top-heavy market</a:t>
+              <a:t>provide accessible, consistent data through an API to allow comparisons over time</a:t>
             </a:r>
           </a:p>
           <a:p>
@@ -6045,6 +7096,22 @@
               <a:rPr lang="en-US" sz="2800" dirty="0"/>
               <a:t> bestseller is a marketing boon</a:t>
             </a:r>
+          </a:p>
+          <a:p>
+            <a:endParaRPr lang="en-US" sz="2800" dirty="0"/>
+          </a:p>
+          <a:p>
+            <a:r>
+              <a:rPr lang="en-US" sz="2800" dirty="0"/>
+              <a:t>Caveat: they</a:t>
+            </a:r>
+            <a:r>
+              <a:rPr lang="en-US" sz="2800" dirty="0"/>
+              <a:t> do not provide unit sales, and their methodology is opaque and not necessarily reflective of total sales</a:t>
+            </a:r>
+          </a:p>
+          <a:p>
+            <a:endParaRPr lang="en-US" sz="2800" dirty="0"/>
           </a:p>
         </p:txBody>
       </p:sp>
@@ -6167,7 +7234,7 @@
             </a:pPr>
             <a:r>
               <a:rPr lang="en-US" sz="2800" dirty="0"/>
-              <a:t>Initial Questions in Shiny Dashboard:</a:t>
+              <a:t>Initial Questions for Shiny Dashboard:</a:t>
             </a:r>
           </a:p>
           <a:p>
@@ -6303,11 +7370,19 @@
             </a:r>
             <a:r>
               <a:rPr lang="en-US" sz="2800" i="1" dirty="0"/>
-              <a:t>Times </a:t>
+              <a:t>Times</a:t>
             </a:r>
             <a:r>
               <a:rPr lang="en-US" sz="2800" dirty="0"/>
-              <a:t>Book Review is as prestigious as the bestseller list</a:t>
+              <a:t>’</a:t>
+            </a:r>
+            <a:r>
+              <a:rPr lang="en-US" sz="2800" i="1" dirty="0"/>
+              <a:t> </a:t>
+            </a:r>
+            <a:r>
+              <a:rPr lang="en-US" sz="2800" dirty="0"/>
+              <a:t>Book Review is as prestigious as its bestseller list</a:t>
             </a:r>
           </a:p>
           <a:p>
@@ -6324,7 +7399,7 @@
             </a:pPr>
             <a:r>
               <a:rPr lang="en-US" sz="2800" dirty="0"/>
-              <a:t>It reviews only ~350 of ~40,000 new fiction titles each year in the US</a:t>
+              <a:t>It reviews only ~350 of ~40,000 new fiction titles each year</a:t>
             </a:r>
           </a:p>
           <a:p>
@@ -6640,10 +7715,15 @@
             <p:ph idx="1"/>
           </p:nvPr>
         </p:nvSpPr>
-        <p:spPr/>
+        <p:spPr>
+          <a:xfrm>
+            <a:off x="1104900" y="1600200"/>
+            <a:ext cx="5454162" cy="4572000"/>
+          </a:xfrm>
+        </p:spPr>
         <p:txBody>
           <a:bodyPr>
-            <a:normAutofit/>
+            <a:normAutofit lnSpcReduction="10000"/>
           </a:bodyPr>
           <a:lstStyle/>
           <a:p>
@@ -6662,7 +7742,7 @@
           <a:p>
             <a:r>
               <a:rPr lang="en-US" sz="2800" dirty="0"/>
-              <a:t>The average review is nearly 1200 words long, and they do not contain “star” ratings</a:t>
+              <a:t>The average review is nearly 1200 words long</a:t>
             </a:r>
           </a:p>
           <a:p>
@@ -6671,11 +7751,52 @@
           <a:p>
             <a:r>
               <a:rPr lang="en-US" sz="2800" dirty="0"/>
-              <a:t>This project became, largely, an effort to figure out how to classify these kinds of documents</a:t>
-            </a:r>
-          </a:p>
-        </p:txBody>
-      </p:sp>
+              <a:t>They do not contain “star” ratings to indicate a total judgment to those who do not want to read</a:t>
+            </a:r>
+          </a:p>
+        </p:txBody>
+      </p:sp>
+      <p:pic>
+        <p:nvPicPr>
+          <p:cNvPr id="3074" name="Picture 2" descr="http://www.booksiswonderful.com/wp-content/uploads/2013/12/glasses1-858x1024.jpg"/>
+          <p:cNvPicPr>
+            <a:picLocks noChangeAspect="1" noChangeArrowheads="1"/>
+          </p:cNvPicPr>
+          <p:nvPr/>
+        </p:nvPicPr>
+        <p:blipFill>
+          <a:blip r:embed="rId2">
+            <a:extLst>
+              <a:ext uri="{28A0092B-C50C-407E-A947-70E740481C1C}">
+                <a14:useLocalDpi xmlns:a14="http://schemas.microsoft.com/office/drawing/2010/main" val="0"/>
+              </a:ext>
+            </a:extLst>
+          </a:blip>
+          <a:srcRect/>
+          <a:stretch>
+            <a:fillRect/>
+          </a:stretch>
+        </p:blipFill>
+        <p:spPr bwMode="auto">
+          <a:xfrm>
+            <a:off x="7283886" y="1600200"/>
+            <a:ext cx="3801696" cy="4536830"/>
+          </a:xfrm>
+          <a:prstGeom prst="rect">
+            <a:avLst/>
+          </a:prstGeom>
+          <a:noFill/>
+          <a:extLst>
+            <a:ext uri="{909E8E84-426E-40DD-AFC4-6F175D3DCCD1}">
+              <a14:hiddenFill xmlns:a14="http://schemas.microsoft.com/office/drawing/2010/main">
+                <a:solidFill>
+                  <a:srgbClr val="FFFFFF"/>
+                </a:solidFill>
+              </a14:hiddenFill>
+            </a:ext>
+          </a:extLst>
+        </p:spPr>
+      </p:pic>
     </p:spTree>
     <p:extLst>
       <p:ext uri="{BB962C8B-B14F-4D97-AF65-F5344CB8AC3E}">
@@ -6753,7 +7874,12 @@
             <p:ph idx="1"/>
           </p:nvPr>
         </p:nvSpPr>
-        <p:spPr/>
+        <p:spPr>
+          <a:xfrm>
+            <a:off x="1104900" y="1600200"/>
+            <a:ext cx="6052038" cy="4572000"/>
+          </a:xfrm>
+        </p:spPr>
         <p:txBody>
           <a:bodyPr>
             <a:normAutofit/>
@@ -6762,7 +7888,7 @@
           <a:p>
             <a:r>
               <a:rPr lang="en-US" sz="2800" dirty="0"/>
-              <a:t>Based on API URLs, I scraped every review from 2008-present</a:t>
+              <a:t>Based on API URLs, I scraped every book review from 2008-present</a:t>
             </a:r>
           </a:p>
           <a:p>
@@ -6771,7 +7897,7 @@
           <a:p>
             <a:r>
               <a:rPr lang="en-US" sz="2800" dirty="0"/>
-              <a:t>However, the API did not allow me to limit to fiction only, leaving me with many</a:t>
+              <a:t>The API did not allow me to limit my queries to fiction only, leaving me with many nonfiction and poetry reviews</a:t>
             </a:r>
           </a:p>
           <a:p>
@@ -6780,11 +7906,52 @@
           <a:p>
             <a:r>
               <a:rPr lang="en-US" sz="2800" dirty="0"/>
-              <a:t>How to extract only the fiction reviews from the set?</a:t>
-            </a:r>
-          </a:p>
-        </p:txBody>
-      </p:sp>
+              <a:t>How to tell which books were about real life and which are just fantasy?</a:t>
+            </a:r>
+          </a:p>
+        </p:txBody>
+      </p:sp>
+      <p:pic>
+        <p:nvPicPr>
+          <p:cNvPr id="4098" name="Picture 2" descr="http://d3i6fh83elv35t.cloudfront.net/newshour/wp-content/uploads/2015/10/QUEEN2-low-res.jpg"/>
+          <p:cNvPicPr>
+            <a:picLocks noChangeAspect="1" noChangeArrowheads="1"/>
+          </p:cNvPicPr>
+          <p:nvPr/>
+        </p:nvPicPr>
+        <p:blipFill>
+          <a:blip r:embed="rId2" cstate="print">
+            <a:extLst>
+              <a:ext uri="{28A0092B-C50C-407E-A947-70E740481C1C}">
+                <a14:useLocalDpi xmlns:a14="http://schemas.microsoft.com/office/drawing/2010/main" val="0"/>
+              </a:ext>
+            </a:extLst>
+          </a:blip>
+          <a:srcRect/>
+          <a:stretch>
+            <a:fillRect/>
+          </a:stretch>
+        </p:blipFill>
+        <p:spPr bwMode="auto">
+          <a:xfrm>
+            <a:off x="7684476" y="1554532"/>
+            <a:ext cx="4132385" cy="4617668"/>
+          </a:xfrm>
+          <a:prstGeom prst="rect">
+            <a:avLst/>
+          </a:prstGeom>
+          <a:noFill/>
+          <a:extLst>
+            <a:ext uri="{909E8E84-426E-40DD-AFC4-6F175D3DCCD1}">
+              <a14:hiddenFill xmlns:a14="http://schemas.microsoft.com/office/drawing/2010/main">
+                <a:solidFill>
+                  <a:srgbClr val="FFFFFF"/>
+                </a:solidFill>
+              </a14:hiddenFill>
+            </a:ext>
+          </a:extLst>
+        </p:spPr>
+      </p:pic>
     </p:spTree>
     <p:extLst>
       <p:ext uri="{BB962C8B-B14F-4D97-AF65-F5344CB8AC3E}">
@@ -6897,7 +8064,7 @@
           <a:p>
             <a:r>
               <a:rPr lang="en-US" sz="2800" dirty="0"/>
-              <a:t>Topics can be interpreted in terms of their most populous words</a:t>
+              <a:t>Topics can be interpreted in terms of their most frequent words</a:t>
             </a:r>
           </a:p>
         </p:txBody>
@@ -8715,6 +9882,15 @@
 </file>
 
 <file path=customXml/item2.xml><?xml version="1.0" encoding="utf-8"?>
+<?mso-contentType ?>
+<FormTemplates xmlns="http://schemas.microsoft.com/sharepoint/v3/contenttype/forms">
+  <Display>DocumentLibraryForm</Display>
+  <Edit>AssetEditForm</Edit>
+  <New>DocumentLibraryForm</New>
+</FormTemplates>
+</file>
+
+<file path=customXml/item3.xml><?xml version="1.0" encoding="utf-8"?>
 <p:properties xmlns:p="http://schemas.microsoft.com/office/2006/metadata/properties" xmlns:xsi="http://www.w3.org/2001/XMLSchema-instance" xmlns:pc="http://schemas.microsoft.com/office/infopath/2007/PartnerControls">
   <documentManagement>
     <APDescription xmlns="4873beb7-5857-4685-be1f-d57550cc96cc" xsi:nil="true"/>
@@ -8840,15 +10016,6 @@
 </p:properties>
 </file>
 
-<file path=customXml/item3.xml><?xml version="1.0" encoding="utf-8"?>
-<?mso-contentType ?>
-<FormTemplates xmlns="http://schemas.microsoft.com/sharepoint/v3/contenttype/forms">
-  <Display>DocumentLibraryForm</Display>
-  <Edit>AssetEditForm</Edit>
-  <New>DocumentLibraryForm</New>
-</FormTemplates>
-</file>
-
 <file path=customXml/itemProps1.xml><?xml version="1.0" encoding="utf-8"?>
 <ds:datastoreItem xmlns:ds="http://schemas.openxmlformats.org/officeDocument/2006/customXml" ds:itemID="{28C8B9CA-0273-4370-889A-FC05DA5C2FA5}">
   <ds:schemaRefs>
@@ -8868,6 +10035,14 @@
 </file>
 
 <file path=customXml/itemProps2.xml><?xml version="1.0" encoding="utf-8"?>
+<ds:datastoreItem xmlns:ds="http://schemas.openxmlformats.org/officeDocument/2006/customXml" ds:itemID="{561E720F-F05D-4536-9C34-0CFCED65D3B7}">
+  <ds:schemaRefs>
+    <ds:schemaRef ds:uri="http://schemas.microsoft.com/sharepoint/v3/contenttype/forms"/>
+  </ds:schemaRefs>
+</ds:datastoreItem>
+</file>
+
+<file path=customXml/itemProps3.xml><?xml version="1.0" encoding="utf-8"?>
 <ds:datastoreItem xmlns:ds="http://schemas.openxmlformats.org/officeDocument/2006/customXml" ds:itemID="{8CDDBB83-77C1-4099-A0AA-289882E745E2}">
   <ds:schemaRefs>
     <ds:schemaRef ds:uri="http://purl.org/dc/elements/1.1/"/>
@@ -8881,12 +10056,4 @@
     <ds:schemaRef ds:uri="http://purl.org/dc/dcmitype/"/>
   </ds:schemaRefs>
 </ds:datastoreItem>
-</file>
-
-<file path=customXml/itemProps3.xml><?xml version="1.0" encoding="utf-8"?>
-<ds:datastoreItem xmlns:ds="http://schemas.openxmlformats.org/officeDocument/2006/customXml" ds:itemID="{561E720F-F05D-4536-9C34-0CFCED65D3B7}">
-  <ds:schemaRefs>
-    <ds:schemaRef ds:uri="http://schemas.microsoft.com/sharepoint/v3/contenttype/forms"/>
-  </ds:schemaRefs>
-</ds:datastoreItem>
 </file>